--- a/demo/doc/presentation.pptx
+++ b/demo/doc/presentation.pptx
@@ -13740,15 +13740,20 @@
             <a:pPr lvl="1"/>
             <a:r>
               <a:rPr lang="en-US" dirty="0" smtClean="0"/>
-              <a:t>Has exactly 3 Alive neighbors, it is Fertile and becomes Alive</a:t>
+              <a:t>Has 2 or fewer Alive neighbors, it remains Dead</a:t>
             </a:r>
           </a:p>
           <a:p>
             <a:pPr lvl="1"/>
             <a:r>
               <a:rPr lang="en-US" dirty="0" smtClean="0"/>
-              <a:t>Otherwise, it remains Dead</a:t>
-            </a:r>
+              <a:t>Has 3 or more Alive neighbors, it is Fertile and </a:t>
+            </a:r>
+            <a:r>
+              <a:rPr lang="en-US" smtClean="0"/>
+              <a:t>becomes Alive</a:t>
+            </a:r>
+            <a:endParaRPr lang="en-US" dirty="0" smtClean="0"/>
           </a:p>
           <a:p>
             <a:pPr lvl="1"/>
@@ -13817,7 +13822,7 @@
       </p:sp>
       <p:pic>
         <p:nvPicPr>
-          <p:cNvPr id="65" name="Picture 64" descr="PlaidCell.png"/>
+          <p:cNvPr id="3" name="Picture 2" descr="Slide1.png"/>
           <p:cNvPicPr>
             <a:picLocks noChangeAspect="1"/>
           </p:cNvPicPr>
@@ -13837,8 +13842,8 @@
         </p:blipFill>
         <p:spPr>
           <a:xfrm>
-            <a:off x="1403648" y="1628800"/>
-            <a:ext cx="6264696" cy="4698522"/>
+            <a:off x="1224136" y="1196752"/>
+            <a:ext cx="6732240" cy="5049180"/>
           </a:xfrm>
           <a:prstGeom prst="rect">
             <a:avLst/>

--- a/demo/doc/presentation.pptx
+++ b/demo/doc/presentation.pptx
@@ -5,7 +5,7 @@
     <p:sldMasterId id="2147483648" r:id="rId1"/>
   </p:sldMasterIdLst>
   <p:notesMasterIdLst>
-    <p:notesMasterId r:id="rId31"/>
+    <p:notesMasterId r:id="rId32"/>
   </p:notesMasterIdLst>
   <p:sldIdLst>
     <p:sldId id="258" r:id="rId2"/>
@@ -35,8 +35,9 @@
     <p:sldId id="455" r:id="rId26"/>
     <p:sldId id="454" r:id="rId27"/>
     <p:sldId id="461" r:id="rId28"/>
-    <p:sldId id="458" r:id="rId29"/>
+    <p:sldId id="463" r:id="rId29"/>
     <p:sldId id="462" r:id="rId30"/>
+    <p:sldId id="458" r:id="rId31"/>
   </p:sldIdLst>
   <p:sldSz cx="9144000" cy="6858000" type="screen4x3"/>
   <p:notesSz cx="6858000" cy="9144000"/>
@@ -13747,13 +13748,8 @@
             <a:pPr lvl="1"/>
             <a:r>
               <a:rPr lang="en-US" dirty="0" smtClean="0"/>
-              <a:t>Has 3 or more Alive neighbors, it is Fertile and </a:t>
-            </a:r>
-            <a:r>
-              <a:rPr lang="en-US" smtClean="0"/>
-              <a:t>becomes Alive</a:t>
-            </a:r>
-            <a:endParaRPr lang="en-US" dirty="0" smtClean="0"/>
+              <a:t>Has 3 or more Alive neighbors, it is Fertile and becomes Alive</a:t>
+            </a:r>
           </a:p>
           <a:p>
             <a:pPr lvl="1"/>
@@ -13766,6 +13762,11 @@
         </p:txBody>
       </p:sp>
     </p:spTree>
+    <p:extLst>
+      <p:ext uri="{BB962C8B-B14F-4D97-AF65-F5344CB8AC3E}">
+        <p14:creationId xmlns:p14="http://schemas.microsoft.com/office/powerpoint/2010/main" val="3496963651"/>
+      </p:ext>
+    </p:extLst>
   </p:cSld>
   <p:clrMapOvr>
     <a:masterClrMapping/>
@@ -14242,6 +14243,226 @@
             </p:seq>
           </p:childTnLst>
         </p:cTn>
+      </p:par>
+    </p:tnLst>
+  </p:timing>
+</p:sld>
+</file>
+
+<file path=ppt/slides/slide30.xml><?xml version="1.0" encoding="utf-8"?>
+<p:sld xmlns:a="http://schemas.openxmlformats.org/drawingml/2006/main" xmlns:r="http://schemas.openxmlformats.org/officeDocument/2006/relationships" xmlns:p="http://schemas.openxmlformats.org/presentationml/2006/main">
+  <p:cSld>
+    <p:spTree>
+      <p:nvGrpSpPr>
+        <p:cNvPr id="1" name=""/>
+        <p:cNvGrpSpPr/>
+        <p:nvPr/>
+      </p:nvGrpSpPr>
+      <p:grpSpPr>
+        <a:xfrm>
+          <a:off x="0" y="0"/>
+          <a:ext cx="0" cy="0"/>
+          <a:chOff x="0" y="0"/>
+          <a:chExt cx="0" cy="0"/>
+        </a:xfrm>
+      </p:grpSpPr>
+      <p:sp>
+        <p:nvSpPr>
+          <p:cNvPr id="2" name="Title 1"/>
+          <p:cNvSpPr>
+            <a:spLocks noGrp="1"/>
+          </p:cNvSpPr>
+          <p:nvPr>
+            <p:ph type="title"/>
+          </p:nvPr>
+        </p:nvSpPr>
+        <p:spPr/>
+        <p:txBody>
+          <a:bodyPr/>
+          <a:lstStyle/>
+          <a:p>
+            <a:r>
+              <a:rPr lang="en-US" dirty="0" smtClean="0"/>
+              <a:t>Setup</a:t>
+            </a:r>
+            <a:endParaRPr lang="en-US" dirty="0"/>
+          </a:p>
+        </p:txBody>
+      </p:sp>
+      <p:sp>
+        <p:nvSpPr>
+          <p:cNvPr id="67" name="Content Placeholder 2"/>
+          <p:cNvSpPr>
+            <a:spLocks noGrp="1"/>
+          </p:cNvSpPr>
+          <p:nvPr>
+            <p:ph idx="1"/>
+          </p:nvPr>
+        </p:nvSpPr>
+        <p:spPr>
+          <a:xfrm>
+            <a:off x="457200" y="1143000"/>
+            <a:ext cx="8229600" cy="4983163"/>
+          </a:xfrm>
+        </p:spPr>
+        <p:txBody>
+          <a:bodyPr/>
+          <a:lstStyle/>
+          <a:p>
+            <a:r>
+              <a:rPr lang="en-US" dirty="0" smtClean="0"/>
+              <a:t>To set up Java and Ant:</a:t>
+            </a:r>
+            <a:endParaRPr lang="en-US" dirty="0" smtClean="0"/>
+          </a:p>
+          <a:p>
+            <a:pPr lvl="1"/>
+            <a:r>
+              <a:rPr lang="en-US" dirty="0" smtClean="0"/>
+              <a:t>Windows: Double-click on /path/to/</a:t>
+            </a:r>
+            <a:r>
+              <a:rPr lang="en-US" dirty="0" err="1" smtClean="0"/>
+              <a:t>usb</a:t>
+            </a:r>
+            <a:r>
+              <a:rPr lang="en-US" dirty="0" smtClean="0"/>
+              <a:t>/DEMO/</a:t>
+            </a:r>
+            <a:r>
+              <a:rPr lang="en-US" dirty="0" err="1" smtClean="0"/>
+              <a:t>windows.bat</a:t>
+            </a:r>
+            <a:endParaRPr lang="en-US" dirty="0" smtClean="0"/>
+          </a:p>
+          <a:p>
+            <a:pPr lvl="1"/>
+            <a:r>
+              <a:rPr lang="en-US" dirty="0" smtClean="0"/>
+              <a:t>Linux/OSX: in Terminal, go </a:t>
+            </a:r>
+            <a:r>
+              <a:rPr lang="en-US" dirty="0"/>
+              <a:t>to /path/to/</a:t>
+            </a:r>
+            <a:r>
+              <a:rPr lang="en-US" dirty="0" err="1"/>
+              <a:t>usb</a:t>
+            </a:r>
+            <a:r>
+              <a:rPr lang="en-US" dirty="0"/>
+              <a:t>/DEMO</a:t>
+            </a:r>
+            <a:r>
+              <a:rPr lang="en-US" dirty="0" smtClean="0"/>
+              <a:t>/</a:t>
+            </a:r>
+          </a:p>
+          <a:p>
+            <a:pPr lvl="2"/>
+            <a:r>
+              <a:rPr lang="en-US" dirty="0" smtClean="0"/>
+              <a:t>Linux – source </a:t>
+            </a:r>
+            <a:r>
+              <a:rPr lang="en-US" dirty="0" err="1" smtClean="0"/>
+              <a:t>linux.sh</a:t>
+            </a:r>
+            <a:endParaRPr lang="en-US" dirty="0" smtClean="0"/>
+          </a:p>
+          <a:p>
+            <a:pPr lvl="2"/>
+            <a:r>
+              <a:rPr lang="en-US" dirty="0" smtClean="0"/>
+              <a:t>OSX – source </a:t>
+            </a:r>
+            <a:r>
+              <a:rPr lang="en-US" dirty="0" err="1" smtClean="0"/>
+              <a:t>OSX.sh</a:t>
+            </a:r>
+            <a:endParaRPr lang="en-US" dirty="0" smtClean="0"/>
+          </a:p>
+          <a:p>
+            <a:r>
+              <a:rPr lang="en-US" dirty="0" smtClean="0"/>
+              <a:t>Run ant in the examples/</a:t>
+            </a:r>
+            <a:r>
+              <a:rPr lang="en-US" dirty="0" err="1" smtClean="0"/>
+              <a:t>gameoflife</a:t>
+            </a:r>
+            <a:r>
+              <a:rPr lang="en-US" dirty="0" smtClean="0"/>
+              <a:t> and confirm it works</a:t>
+            </a:r>
+          </a:p>
+          <a:p>
+            <a:r>
+              <a:rPr lang="en-US" dirty="0" smtClean="0"/>
+              <a:t>E</a:t>
+            </a:r>
+            <a:r>
+              <a:rPr lang="en-US" dirty="0" smtClean="0"/>
+              <a:t>dit files in </a:t>
+            </a:r>
+          </a:p>
+          <a:p>
+            <a:pPr lvl="1"/>
+            <a:r>
+              <a:rPr lang="en-US" dirty="0" smtClean="0"/>
+              <a:t>/path/to/</a:t>
+            </a:r>
+            <a:r>
+              <a:rPr lang="en-US" dirty="0" err="1" smtClean="0"/>
+              <a:t>usb</a:t>
+            </a:r>
+            <a:r>
+              <a:rPr lang="en-US" dirty="0" smtClean="0"/>
+              <a:t>/DEMO/examples/</a:t>
+            </a:r>
+            <a:r>
+              <a:rPr lang="en-US" dirty="0" err="1" smtClean="0"/>
+              <a:t>gameoflife</a:t>
+            </a:r>
+            <a:r>
+              <a:rPr lang="en-US" dirty="0" smtClean="0"/>
+              <a:t>/</a:t>
+            </a:r>
+            <a:r>
+              <a:rPr lang="en-US" dirty="0" err="1" smtClean="0"/>
+              <a:t>pld</a:t>
+            </a:r>
+            <a:r>
+              <a:rPr lang="en-US" dirty="0" smtClean="0"/>
+              <a:t>/plaid/demo/plugin</a:t>
+            </a:r>
+          </a:p>
+          <a:p>
+            <a:r>
+              <a:rPr lang="en-US" dirty="0" smtClean="0"/>
+              <a:t>Edit in your favorite text editor!</a:t>
+            </a:r>
+            <a:endParaRPr lang="en-US" dirty="0" smtClean="0"/>
+          </a:p>
+          <a:p>
+            <a:pPr lvl="1"/>
+            <a:endParaRPr lang="en-US" dirty="0" smtClean="0"/>
+          </a:p>
+          <a:p>
+            <a:pPr lvl="1"/>
+            <a:endParaRPr lang="en-US" dirty="0" smtClean="0"/>
+          </a:p>
+        </p:txBody>
+      </p:sp>
+    </p:spTree>
+  </p:cSld>
+  <p:clrMapOvr>
+    <a:masterClrMapping/>
+  </p:clrMapOvr>
+  <p:timing>
+    <p:tnLst>
+      <p:par>
+        <p:cTn xmlns:p14="http://schemas.microsoft.com/office/powerpoint/2010/main" id="1" dur="indefinite" restart="never" nodeType="tmRoot"/>
       </p:par>
     </p:tnLst>
   </p:timing>
